--- a/Article/SpringSecurity/WebSecurityConfigurerAdapter_deprecated/img/img.pptx
+++ b/Article/SpringSecurity/WebSecurityConfigurerAdapter_deprecated/img/img.pptx
@@ -3402,7 +3402,7 @@
         </p:nvSpPr>
         <p:spPr>
           <a:xfrm>
-            <a:off x="2942732" y="4283581"/>
+            <a:off x="2679816" y="4283581"/>
             <a:ext cx="6306535" cy="461665"/>
           </a:xfrm>
           <a:prstGeom prst="rect">
